--- a/ppt 16-9/0639.守约施慈爱.pptx
+++ b/ppt 16-9/0639.守约施慈爱.pptx
@@ -129,7 +129,7 @@
           <p:cNvPr id="2" name="标题 1">
             <a:extLst>
               <a:ext uri="{FF2B5EF4-FFF2-40B4-BE49-F238E27FC236}">
-                <a16:creationId xmlns:a16="http://schemas.microsoft.com/office/drawing/2014/main" id="{6C0C27DA-90A7-BECA-7A4B-E51793CE328E}"/>
+                <a16:creationId xmlns:a16="http://schemas.microsoft.com/office/drawing/2014/main" id="{1CD8547C-F133-C696-EFDB-302937EB9470}"/>
               </a:ext>
             </a:extLst>
           </p:cNvPr>
@@ -166,7 +166,7 @@
           <p:cNvPr id="3" name="副标题 2">
             <a:extLst>
               <a:ext uri="{FF2B5EF4-FFF2-40B4-BE49-F238E27FC236}">
-                <a16:creationId xmlns:a16="http://schemas.microsoft.com/office/drawing/2014/main" id="{F8A29A76-6CEF-3093-D1D2-AB5C4D218491}"/>
+                <a16:creationId xmlns:a16="http://schemas.microsoft.com/office/drawing/2014/main" id="{CFC153D0-5620-894D-B782-79D510D8B6A3}"/>
               </a:ext>
             </a:extLst>
           </p:cNvPr>
@@ -236,7 +236,7 @@
           <p:cNvPr id="4" name="日期占位符 3">
             <a:extLst>
               <a:ext uri="{FF2B5EF4-FFF2-40B4-BE49-F238E27FC236}">
-                <a16:creationId xmlns:a16="http://schemas.microsoft.com/office/drawing/2014/main" id="{168A86AC-EE4B-7E18-D230-92058750DB60}"/>
+                <a16:creationId xmlns:a16="http://schemas.microsoft.com/office/drawing/2014/main" id="{2E11CF62-F8C7-1DB4-9A8F-DF75CB826E8E}"/>
               </a:ext>
             </a:extLst>
           </p:cNvPr>
@@ -252,7 +252,7 @@
           <a:bodyPr/>
           <a:lstStyle/>
           <a:p>
-            <a:fld id="{CE8F8C8E-B021-4672-9C5A-78433C223C46}" type="datetimeFigureOut">
+            <a:fld id="{6C974DF5-0074-4867-B8F5-5DDF345AA1E1}" type="datetimeFigureOut">
               <a:rPr lang="zh-CN" altLang="en-US" smtClean="0"/>
               <a:t>2024/3/10</a:t>
             </a:fld>
@@ -265,7 +265,7 @@
           <p:cNvPr id="5" name="页脚占位符 4">
             <a:extLst>
               <a:ext uri="{FF2B5EF4-FFF2-40B4-BE49-F238E27FC236}">
-                <a16:creationId xmlns:a16="http://schemas.microsoft.com/office/drawing/2014/main" id="{E07F0858-694F-4790-9611-B5D8EA46CE96}"/>
+                <a16:creationId xmlns:a16="http://schemas.microsoft.com/office/drawing/2014/main" id="{DDC25057-3D7B-B37C-31C3-F97693D8B06C}"/>
               </a:ext>
             </a:extLst>
           </p:cNvPr>
@@ -290,7 +290,7 @@
           <p:cNvPr id="6" name="灯片编号占位符 5">
             <a:extLst>
               <a:ext uri="{FF2B5EF4-FFF2-40B4-BE49-F238E27FC236}">
-                <a16:creationId xmlns:a16="http://schemas.microsoft.com/office/drawing/2014/main" id="{0A921C61-4FEE-C238-7E0F-E45A249674C7}"/>
+                <a16:creationId xmlns:a16="http://schemas.microsoft.com/office/drawing/2014/main" id="{303F7C9A-50F4-69C4-43CF-2B35691FC763}"/>
               </a:ext>
             </a:extLst>
           </p:cNvPr>
@@ -306,7 +306,7 @@
           <a:bodyPr/>
           <a:lstStyle/>
           <a:p>
-            <a:fld id="{F454E405-834D-467F-A332-094AF29E3F3F}" type="slidenum">
+            <a:fld id="{929DEEFC-2894-4370-87B0-B3B9F53F8247}" type="slidenum">
               <a:rPr lang="zh-CN" altLang="en-US" smtClean="0"/>
               <a:t>‹#›</a:t>
             </a:fld>
@@ -317,7 +317,7 @@
     </p:spTree>
     <p:extLst>
       <p:ext uri="{BB962C8B-B14F-4D97-AF65-F5344CB8AC3E}">
-        <p14:creationId xmlns:p14="http://schemas.microsoft.com/office/powerpoint/2010/main" val="3794288315"/>
+        <p14:creationId xmlns:p14="http://schemas.microsoft.com/office/powerpoint/2010/main" val="2947798001"/>
       </p:ext>
     </p:extLst>
   </p:cSld>
@@ -349,7 +349,7 @@
           <p:cNvPr id="2" name="标题 1">
             <a:extLst>
               <a:ext uri="{FF2B5EF4-FFF2-40B4-BE49-F238E27FC236}">
-                <a16:creationId xmlns:a16="http://schemas.microsoft.com/office/drawing/2014/main" id="{7EC7DC0E-9E23-9FB3-106D-E578D6268E17}"/>
+                <a16:creationId xmlns:a16="http://schemas.microsoft.com/office/drawing/2014/main" id="{0D54C4D6-A049-5977-D209-D1D95A46D57E}"/>
               </a:ext>
             </a:extLst>
           </p:cNvPr>
@@ -377,7 +377,7 @@
           <p:cNvPr id="3" name="竖排文字占位符 2">
             <a:extLst>
               <a:ext uri="{FF2B5EF4-FFF2-40B4-BE49-F238E27FC236}">
-                <a16:creationId xmlns:a16="http://schemas.microsoft.com/office/drawing/2014/main" id="{E1B225AD-CA5E-EFC6-89B6-EA3CAF8BBB1C}"/>
+                <a16:creationId xmlns:a16="http://schemas.microsoft.com/office/drawing/2014/main" id="{43592AAC-4460-8DB1-E2CA-1A96CA1DBE4A}"/>
               </a:ext>
             </a:extLst>
           </p:cNvPr>
@@ -434,7 +434,7 @@
           <p:cNvPr id="4" name="日期占位符 3">
             <a:extLst>
               <a:ext uri="{FF2B5EF4-FFF2-40B4-BE49-F238E27FC236}">
-                <a16:creationId xmlns:a16="http://schemas.microsoft.com/office/drawing/2014/main" id="{3A72F17D-EBED-16C1-077B-60ECD2C7F6E0}"/>
+                <a16:creationId xmlns:a16="http://schemas.microsoft.com/office/drawing/2014/main" id="{E111E3AE-DDD3-0867-757B-37F98E81146C}"/>
               </a:ext>
             </a:extLst>
           </p:cNvPr>
@@ -450,7 +450,7 @@
           <a:bodyPr/>
           <a:lstStyle/>
           <a:p>
-            <a:fld id="{CE8F8C8E-B021-4672-9C5A-78433C223C46}" type="datetimeFigureOut">
+            <a:fld id="{6C974DF5-0074-4867-B8F5-5DDF345AA1E1}" type="datetimeFigureOut">
               <a:rPr lang="zh-CN" altLang="en-US" smtClean="0"/>
               <a:t>2024/3/10</a:t>
             </a:fld>
@@ -463,7 +463,7 @@
           <p:cNvPr id="5" name="页脚占位符 4">
             <a:extLst>
               <a:ext uri="{FF2B5EF4-FFF2-40B4-BE49-F238E27FC236}">
-                <a16:creationId xmlns:a16="http://schemas.microsoft.com/office/drawing/2014/main" id="{002FFAB2-A77C-3CBC-0FC9-FA5A4B88A873}"/>
+                <a16:creationId xmlns:a16="http://schemas.microsoft.com/office/drawing/2014/main" id="{E3EA0F38-C92C-4939-4A74-A2445E2EC5F4}"/>
               </a:ext>
             </a:extLst>
           </p:cNvPr>
@@ -488,7 +488,7 @@
           <p:cNvPr id="6" name="灯片编号占位符 5">
             <a:extLst>
               <a:ext uri="{FF2B5EF4-FFF2-40B4-BE49-F238E27FC236}">
-                <a16:creationId xmlns:a16="http://schemas.microsoft.com/office/drawing/2014/main" id="{0D310D38-987E-9ABF-7BFC-9737FA9A0BB3}"/>
+                <a16:creationId xmlns:a16="http://schemas.microsoft.com/office/drawing/2014/main" id="{79C557FB-8824-4133-B1B0-0F39DFB6A162}"/>
               </a:ext>
             </a:extLst>
           </p:cNvPr>
@@ -504,7 +504,7 @@
           <a:bodyPr/>
           <a:lstStyle/>
           <a:p>
-            <a:fld id="{F454E405-834D-467F-A332-094AF29E3F3F}" type="slidenum">
+            <a:fld id="{929DEEFC-2894-4370-87B0-B3B9F53F8247}" type="slidenum">
               <a:rPr lang="zh-CN" altLang="en-US" smtClean="0"/>
               <a:t>‹#›</a:t>
             </a:fld>
@@ -515,7 +515,7 @@
     </p:spTree>
     <p:extLst>
       <p:ext uri="{BB962C8B-B14F-4D97-AF65-F5344CB8AC3E}">
-        <p14:creationId xmlns:p14="http://schemas.microsoft.com/office/powerpoint/2010/main" val="2610545124"/>
+        <p14:creationId xmlns:p14="http://schemas.microsoft.com/office/powerpoint/2010/main" val="778681173"/>
       </p:ext>
     </p:extLst>
   </p:cSld>
@@ -547,7 +547,7 @@
           <p:cNvPr id="2" name="竖排标题 1">
             <a:extLst>
               <a:ext uri="{FF2B5EF4-FFF2-40B4-BE49-F238E27FC236}">
-                <a16:creationId xmlns:a16="http://schemas.microsoft.com/office/drawing/2014/main" id="{D1942480-80C0-E76D-4A97-880D1471D778}"/>
+                <a16:creationId xmlns:a16="http://schemas.microsoft.com/office/drawing/2014/main" id="{4A008CDF-6FE3-4706-8C26-2F644996F960}"/>
               </a:ext>
             </a:extLst>
           </p:cNvPr>
@@ -580,7 +580,7 @@
           <p:cNvPr id="3" name="竖排文字占位符 2">
             <a:extLst>
               <a:ext uri="{FF2B5EF4-FFF2-40B4-BE49-F238E27FC236}">
-                <a16:creationId xmlns:a16="http://schemas.microsoft.com/office/drawing/2014/main" id="{1F257A1F-A53C-D000-30A7-8B8EFD6BB38D}"/>
+                <a16:creationId xmlns:a16="http://schemas.microsoft.com/office/drawing/2014/main" id="{70DE271C-4278-87D1-8A92-586F2659DEBA}"/>
               </a:ext>
             </a:extLst>
           </p:cNvPr>
@@ -642,7 +642,7 @@
           <p:cNvPr id="4" name="日期占位符 3">
             <a:extLst>
               <a:ext uri="{FF2B5EF4-FFF2-40B4-BE49-F238E27FC236}">
-                <a16:creationId xmlns:a16="http://schemas.microsoft.com/office/drawing/2014/main" id="{57940F6D-C4AA-DC0F-26D9-10919A247F17}"/>
+                <a16:creationId xmlns:a16="http://schemas.microsoft.com/office/drawing/2014/main" id="{371F217A-6C2D-6E5A-0D86-4F8C8E409B2B}"/>
               </a:ext>
             </a:extLst>
           </p:cNvPr>
@@ -658,7 +658,7 @@
           <a:bodyPr/>
           <a:lstStyle/>
           <a:p>
-            <a:fld id="{CE8F8C8E-B021-4672-9C5A-78433C223C46}" type="datetimeFigureOut">
+            <a:fld id="{6C974DF5-0074-4867-B8F5-5DDF345AA1E1}" type="datetimeFigureOut">
               <a:rPr lang="zh-CN" altLang="en-US" smtClean="0"/>
               <a:t>2024/3/10</a:t>
             </a:fld>
@@ -671,7 +671,7 @@
           <p:cNvPr id="5" name="页脚占位符 4">
             <a:extLst>
               <a:ext uri="{FF2B5EF4-FFF2-40B4-BE49-F238E27FC236}">
-                <a16:creationId xmlns:a16="http://schemas.microsoft.com/office/drawing/2014/main" id="{98B00334-4373-D52F-1601-142CA05AC1B6}"/>
+                <a16:creationId xmlns:a16="http://schemas.microsoft.com/office/drawing/2014/main" id="{E03E5384-2617-9EC6-2665-1EBE70816199}"/>
               </a:ext>
             </a:extLst>
           </p:cNvPr>
@@ -696,7 +696,7 @@
           <p:cNvPr id="6" name="灯片编号占位符 5">
             <a:extLst>
               <a:ext uri="{FF2B5EF4-FFF2-40B4-BE49-F238E27FC236}">
-                <a16:creationId xmlns:a16="http://schemas.microsoft.com/office/drawing/2014/main" id="{3456331B-D003-2181-238B-356FB47C1EE0}"/>
+                <a16:creationId xmlns:a16="http://schemas.microsoft.com/office/drawing/2014/main" id="{69E0DCD9-9D80-D457-3A08-6986FD0D1917}"/>
               </a:ext>
             </a:extLst>
           </p:cNvPr>
@@ -712,7 +712,7 @@
           <a:bodyPr/>
           <a:lstStyle/>
           <a:p>
-            <a:fld id="{F454E405-834D-467F-A332-094AF29E3F3F}" type="slidenum">
+            <a:fld id="{929DEEFC-2894-4370-87B0-B3B9F53F8247}" type="slidenum">
               <a:rPr lang="zh-CN" altLang="en-US" smtClean="0"/>
               <a:t>‹#›</a:t>
             </a:fld>
@@ -723,7 +723,7 @@
     </p:spTree>
     <p:extLst>
       <p:ext uri="{BB962C8B-B14F-4D97-AF65-F5344CB8AC3E}">
-        <p14:creationId xmlns:p14="http://schemas.microsoft.com/office/powerpoint/2010/main" val="3373186342"/>
+        <p14:creationId xmlns:p14="http://schemas.microsoft.com/office/powerpoint/2010/main" val="3915151978"/>
       </p:ext>
     </p:extLst>
   </p:cSld>
@@ -755,7 +755,7 @@
           <p:cNvPr id="2" name="标题 1">
             <a:extLst>
               <a:ext uri="{FF2B5EF4-FFF2-40B4-BE49-F238E27FC236}">
-                <a16:creationId xmlns:a16="http://schemas.microsoft.com/office/drawing/2014/main" id="{F10FE3B3-6338-10DE-941E-36D75461EC62}"/>
+                <a16:creationId xmlns:a16="http://schemas.microsoft.com/office/drawing/2014/main" id="{8DF7DB5E-9300-7D17-994F-0904DE2D2CF6}"/>
               </a:ext>
             </a:extLst>
           </p:cNvPr>
@@ -783,7 +783,7 @@
           <p:cNvPr id="3" name="内容占位符 2">
             <a:extLst>
               <a:ext uri="{FF2B5EF4-FFF2-40B4-BE49-F238E27FC236}">
-                <a16:creationId xmlns:a16="http://schemas.microsoft.com/office/drawing/2014/main" id="{954DB054-4A6D-B037-4A6B-5DC8C116FC73}"/>
+                <a16:creationId xmlns:a16="http://schemas.microsoft.com/office/drawing/2014/main" id="{6DE6D425-6B0D-F7C2-3FCC-C145B499B311}"/>
               </a:ext>
             </a:extLst>
           </p:cNvPr>
@@ -840,7 +840,7 @@
           <p:cNvPr id="4" name="日期占位符 3">
             <a:extLst>
               <a:ext uri="{FF2B5EF4-FFF2-40B4-BE49-F238E27FC236}">
-                <a16:creationId xmlns:a16="http://schemas.microsoft.com/office/drawing/2014/main" id="{4377D060-C834-58C7-9E46-390E7D0E0732}"/>
+                <a16:creationId xmlns:a16="http://schemas.microsoft.com/office/drawing/2014/main" id="{20D05C0F-131B-A831-67B9-B618FB76146E}"/>
               </a:ext>
             </a:extLst>
           </p:cNvPr>
@@ -856,7 +856,7 @@
           <a:bodyPr/>
           <a:lstStyle/>
           <a:p>
-            <a:fld id="{CE8F8C8E-B021-4672-9C5A-78433C223C46}" type="datetimeFigureOut">
+            <a:fld id="{6C974DF5-0074-4867-B8F5-5DDF345AA1E1}" type="datetimeFigureOut">
               <a:rPr lang="zh-CN" altLang="en-US" smtClean="0"/>
               <a:t>2024/3/10</a:t>
             </a:fld>
@@ -869,7 +869,7 @@
           <p:cNvPr id="5" name="页脚占位符 4">
             <a:extLst>
               <a:ext uri="{FF2B5EF4-FFF2-40B4-BE49-F238E27FC236}">
-                <a16:creationId xmlns:a16="http://schemas.microsoft.com/office/drawing/2014/main" id="{565BA3D4-3E92-2FA6-3C41-DFCE33075ADC}"/>
+                <a16:creationId xmlns:a16="http://schemas.microsoft.com/office/drawing/2014/main" id="{7E3FC93B-1BFC-45AF-DC4D-AC6EAFCF33A5}"/>
               </a:ext>
             </a:extLst>
           </p:cNvPr>
@@ -894,7 +894,7 @@
           <p:cNvPr id="6" name="灯片编号占位符 5">
             <a:extLst>
               <a:ext uri="{FF2B5EF4-FFF2-40B4-BE49-F238E27FC236}">
-                <a16:creationId xmlns:a16="http://schemas.microsoft.com/office/drawing/2014/main" id="{0D49035D-3EDB-939B-C0B6-765AB46E5013}"/>
+                <a16:creationId xmlns:a16="http://schemas.microsoft.com/office/drawing/2014/main" id="{D0EFD0D9-D56E-1009-85AD-C959BAAF295B}"/>
               </a:ext>
             </a:extLst>
           </p:cNvPr>
@@ -910,7 +910,7 @@
           <a:bodyPr/>
           <a:lstStyle/>
           <a:p>
-            <a:fld id="{F454E405-834D-467F-A332-094AF29E3F3F}" type="slidenum">
+            <a:fld id="{929DEEFC-2894-4370-87B0-B3B9F53F8247}" type="slidenum">
               <a:rPr lang="zh-CN" altLang="en-US" smtClean="0"/>
               <a:t>‹#›</a:t>
             </a:fld>
@@ -921,7 +921,7 @@
     </p:spTree>
     <p:extLst>
       <p:ext uri="{BB962C8B-B14F-4D97-AF65-F5344CB8AC3E}">
-        <p14:creationId xmlns:p14="http://schemas.microsoft.com/office/powerpoint/2010/main" val="1699531014"/>
+        <p14:creationId xmlns:p14="http://schemas.microsoft.com/office/powerpoint/2010/main" val="1588683098"/>
       </p:ext>
     </p:extLst>
   </p:cSld>
@@ -953,7 +953,7 @@
           <p:cNvPr id="2" name="标题 1">
             <a:extLst>
               <a:ext uri="{FF2B5EF4-FFF2-40B4-BE49-F238E27FC236}">
-                <a16:creationId xmlns:a16="http://schemas.microsoft.com/office/drawing/2014/main" id="{9D0BDF76-B069-EF07-5773-271C005E48EB}"/>
+                <a16:creationId xmlns:a16="http://schemas.microsoft.com/office/drawing/2014/main" id="{E98E63BB-5A17-17ED-5EF9-C85A5D904151}"/>
               </a:ext>
             </a:extLst>
           </p:cNvPr>
@@ -990,7 +990,7 @@
           <p:cNvPr id="3" name="文本占位符 2">
             <a:extLst>
               <a:ext uri="{FF2B5EF4-FFF2-40B4-BE49-F238E27FC236}">
-                <a16:creationId xmlns:a16="http://schemas.microsoft.com/office/drawing/2014/main" id="{C88F3464-B092-ECC9-843A-3C68FF17C1CA}"/>
+                <a16:creationId xmlns:a16="http://schemas.microsoft.com/office/drawing/2014/main" id="{B67E0A23-D9A8-E9AA-28D1-2B26FE256192}"/>
               </a:ext>
             </a:extLst>
           </p:cNvPr>
@@ -1115,7 +1115,7 @@
           <p:cNvPr id="4" name="日期占位符 3">
             <a:extLst>
               <a:ext uri="{FF2B5EF4-FFF2-40B4-BE49-F238E27FC236}">
-                <a16:creationId xmlns:a16="http://schemas.microsoft.com/office/drawing/2014/main" id="{CDA9437A-70C9-2F31-5577-3110C15B6378}"/>
+                <a16:creationId xmlns:a16="http://schemas.microsoft.com/office/drawing/2014/main" id="{AC519619-6C94-DD6A-98FC-745D08BFB3E2}"/>
               </a:ext>
             </a:extLst>
           </p:cNvPr>
@@ -1131,7 +1131,7 @@
           <a:bodyPr/>
           <a:lstStyle/>
           <a:p>
-            <a:fld id="{CE8F8C8E-B021-4672-9C5A-78433C223C46}" type="datetimeFigureOut">
+            <a:fld id="{6C974DF5-0074-4867-B8F5-5DDF345AA1E1}" type="datetimeFigureOut">
               <a:rPr lang="zh-CN" altLang="en-US" smtClean="0"/>
               <a:t>2024/3/10</a:t>
             </a:fld>
@@ -1144,7 +1144,7 @@
           <p:cNvPr id="5" name="页脚占位符 4">
             <a:extLst>
               <a:ext uri="{FF2B5EF4-FFF2-40B4-BE49-F238E27FC236}">
-                <a16:creationId xmlns:a16="http://schemas.microsoft.com/office/drawing/2014/main" id="{178DB01C-8B0A-C88A-0B04-0D7550367B5F}"/>
+                <a16:creationId xmlns:a16="http://schemas.microsoft.com/office/drawing/2014/main" id="{4A2F61F9-CEE9-2E38-051A-A7933F38D20C}"/>
               </a:ext>
             </a:extLst>
           </p:cNvPr>
@@ -1169,7 +1169,7 @@
           <p:cNvPr id="6" name="灯片编号占位符 5">
             <a:extLst>
               <a:ext uri="{FF2B5EF4-FFF2-40B4-BE49-F238E27FC236}">
-                <a16:creationId xmlns:a16="http://schemas.microsoft.com/office/drawing/2014/main" id="{C6EF3429-DE5F-82CC-2A24-A292EFCB041C}"/>
+                <a16:creationId xmlns:a16="http://schemas.microsoft.com/office/drawing/2014/main" id="{322F2D7E-627A-4E64-75EC-99241B8CC285}"/>
               </a:ext>
             </a:extLst>
           </p:cNvPr>
@@ -1185,7 +1185,7 @@
           <a:bodyPr/>
           <a:lstStyle/>
           <a:p>
-            <a:fld id="{F454E405-834D-467F-A332-094AF29E3F3F}" type="slidenum">
+            <a:fld id="{929DEEFC-2894-4370-87B0-B3B9F53F8247}" type="slidenum">
               <a:rPr lang="zh-CN" altLang="en-US" smtClean="0"/>
               <a:t>‹#›</a:t>
             </a:fld>
@@ -1196,7 +1196,7 @@
     </p:spTree>
     <p:extLst>
       <p:ext uri="{BB962C8B-B14F-4D97-AF65-F5344CB8AC3E}">
-        <p14:creationId xmlns:p14="http://schemas.microsoft.com/office/powerpoint/2010/main" val="1770406915"/>
+        <p14:creationId xmlns:p14="http://schemas.microsoft.com/office/powerpoint/2010/main" val="1834982224"/>
       </p:ext>
     </p:extLst>
   </p:cSld>
@@ -1228,7 +1228,7 @@
           <p:cNvPr id="2" name="标题 1">
             <a:extLst>
               <a:ext uri="{FF2B5EF4-FFF2-40B4-BE49-F238E27FC236}">
-                <a16:creationId xmlns:a16="http://schemas.microsoft.com/office/drawing/2014/main" id="{5F47FD05-769D-1B15-592D-1682AD9DC947}"/>
+                <a16:creationId xmlns:a16="http://schemas.microsoft.com/office/drawing/2014/main" id="{8809AF06-A8B2-899B-1CB5-5334D7FE8F84}"/>
               </a:ext>
             </a:extLst>
           </p:cNvPr>
@@ -1256,7 +1256,7 @@
           <p:cNvPr id="3" name="内容占位符 2">
             <a:extLst>
               <a:ext uri="{FF2B5EF4-FFF2-40B4-BE49-F238E27FC236}">
-                <a16:creationId xmlns:a16="http://schemas.microsoft.com/office/drawing/2014/main" id="{66F033DC-59C8-8B57-D31C-C5577FB5C896}"/>
+                <a16:creationId xmlns:a16="http://schemas.microsoft.com/office/drawing/2014/main" id="{F3542A50-8692-0471-3720-52A18D4E5E3F}"/>
               </a:ext>
             </a:extLst>
           </p:cNvPr>
@@ -1318,7 +1318,7 @@
           <p:cNvPr id="4" name="内容占位符 3">
             <a:extLst>
               <a:ext uri="{FF2B5EF4-FFF2-40B4-BE49-F238E27FC236}">
-                <a16:creationId xmlns:a16="http://schemas.microsoft.com/office/drawing/2014/main" id="{0596381A-843B-7370-0775-ED94B2226213}"/>
+                <a16:creationId xmlns:a16="http://schemas.microsoft.com/office/drawing/2014/main" id="{711D5E0B-403B-9C08-41BF-760C87E69C64}"/>
               </a:ext>
             </a:extLst>
           </p:cNvPr>
@@ -1380,7 +1380,7 @@
           <p:cNvPr id="5" name="日期占位符 4">
             <a:extLst>
               <a:ext uri="{FF2B5EF4-FFF2-40B4-BE49-F238E27FC236}">
-                <a16:creationId xmlns:a16="http://schemas.microsoft.com/office/drawing/2014/main" id="{7A3EDE8D-951E-BA88-9012-AAF51C276EFA}"/>
+                <a16:creationId xmlns:a16="http://schemas.microsoft.com/office/drawing/2014/main" id="{56D8DC31-A765-9D91-96C9-771735F60C3E}"/>
               </a:ext>
             </a:extLst>
           </p:cNvPr>
@@ -1396,7 +1396,7 @@
           <a:bodyPr/>
           <a:lstStyle/>
           <a:p>
-            <a:fld id="{CE8F8C8E-B021-4672-9C5A-78433C223C46}" type="datetimeFigureOut">
+            <a:fld id="{6C974DF5-0074-4867-B8F5-5DDF345AA1E1}" type="datetimeFigureOut">
               <a:rPr lang="zh-CN" altLang="en-US" smtClean="0"/>
               <a:t>2024/3/10</a:t>
             </a:fld>
@@ -1409,7 +1409,7 @@
           <p:cNvPr id="6" name="页脚占位符 5">
             <a:extLst>
               <a:ext uri="{FF2B5EF4-FFF2-40B4-BE49-F238E27FC236}">
-                <a16:creationId xmlns:a16="http://schemas.microsoft.com/office/drawing/2014/main" id="{2A6A6B21-BA8E-90B1-23E6-8459A32C0581}"/>
+                <a16:creationId xmlns:a16="http://schemas.microsoft.com/office/drawing/2014/main" id="{57EA2660-5236-F619-90F4-29375DDC8472}"/>
               </a:ext>
             </a:extLst>
           </p:cNvPr>
@@ -1434,7 +1434,7 @@
           <p:cNvPr id="7" name="灯片编号占位符 6">
             <a:extLst>
               <a:ext uri="{FF2B5EF4-FFF2-40B4-BE49-F238E27FC236}">
-                <a16:creationId xmlns:a16="http://schemas.microsoft.com/office/drawing/2014/main" id="{4320CD40-3407-D616-EBB6-AA31E1D18064}"/>
+                <a16:creationId xmlns:a16="http://schemas.microsoft.com/office/drawing/2014/main" id="{556B9691-9D13-602F-9135-54725FA6AE3D}"/>
               </a:ext>
             </a:extLst>
           </p:cNvPr>
@@ -1450,7 +1450,7 @@
           <a:bodyPr/>
           <a:lstStyle/>
           <a:p>
-            <a:fld id="{F454E405-834D-467F-A332-094AF29E3F3F}" type="slidenum">
+            <a:fld id="{929DEEFC-2894-4370-87B0-B3B9F53F8247}" type="slidenum">
               <a:rPr lang="zh-CN" altLang="en-US" smtClean="0"/>
               <a:t>‹#›</a:t>
             </a:fld>
@@ -1461,7 +1461,7 @@
     </p:spTree>
     <p:extLst>
       <p:ext uri="{BB962C8B-B14F-4D97-AF65-F5344CB8AC3E}">
-        <p14:creationId xmlns:p14="http://schemas.microsoft.com/office/powerpoint/2010/main" val="3892925901"/>
+        <p14:creationId xmlns:p14="http://schemas.microsoft.com/office/powerpoint/2010/main" val="1772279347"/>
       </p:ext>
     </p:extLst>
   </p:cSld>
@@ -1493,7 +1493,7 @@
           <p:cNvPr id="2" name="标题 1">
             <a:extLst>
               <a:ext uri="{FF2B5EF4-FFF2-40B4-BE49-F238E27FC236}">
-                <a16:creationId xmlns:a16="http://schemas.microsoft.com/office/drawing/2014/main" id="{F5FDCBB3-812A-0DAF-B6B6-DF9CC82578D6}"/>
+                <a16:creationId xmlns:a16="http://schemas.microsoft.com/office/drawing/2014/main" id="{D1263400-0806-2779-B0A7-5167041B2640}"/>
               </a:ext>
             </a:extLst>
           </p:cNvPr>
@@ -1526,7 +1526,7 @@
           <p:cNvPr id="3" name="文本占位符 2">
             <a:extLst>
               <a:ext uri="{FF2B5EF4-FFF2-40B4-BE49-F238E27FC236}">
-                <a16:creationId xmlns:a16="http://schemas.microsoft.com/office/drawing/2014/main" id="{6A0C5B79-5DB8-E2C2-FC3A-0B86A7108CBF}"/>
+                <a16:creationId xmlns:a16="http://schemas.microsoft.com/office/drawing/2014/main" id="{4FBA7FE9-838B-0F74-D2A5-6869743C785A}"/>
               </a:ext>
             </a:extLst>
           </p:cNvPr>
@@ -1597,7 +1597,7 @@
           <p:cNvPr id="4" name="内容占位符 3">
             <a:extLst>
               <a:ext uri="{FF2B5EF4-FFF2-40B4-BE49-F238E27FC236}">
-                <a16:creationId xmlns:a16="http://schemas.microsoft.com/office/drawing/2014/main" id="{C059EFC6-D98F-6EFF-E737-9BF2B016FEA3}"/>
+                <a16:creationId xmlns:a16="http://schemas.microsoft.com/office/drawing/2014/main" id="{2A91E7C5-CDA7-CD7E-8C53-350FC9CCBF97}"/>
               </a:ext>
             </a:extLst>
           </p:cNvPr>
@@ -1659,7 +1659,7 @@
           <p:cNvPr id="5" name="文本占位符 4">
             <a:extLst>
               <a:ext uri="{FF2B5EF4-FFF2-40B4-BE49-F238E27FC236}">
-                <a16:creationId xmlns:a16="http://schemas.microsoft.com/office/drawing/2014/main" id="{8E72CF23-D797-EFE0-E1AD-576495C8C2EC}"/>
+                <a16:creationId xmlns:a16="http://schemas.microsoft.com/office/drawing/2014/main" id="{0823FE25-D3C1-CD55-B258-53866523942C}"/>
               </a:ext>
             </a:extLst>
           </p:cNvPr>
@@ -1730,7 +1730,7 @@
           <p:cNvPr id="6" name="内容占位符 5">
             <a:extLst>
               <a:ext uri="{FF2B5EF4-FFF2-40B4-BE49-F238E27FC236}">
-                <a16:creationId xmlns:a16="http://schemas.microsoft.com/office/drawing/2014/main" id="{CF29A705-E735-A459-554D-3C0D53CDAB1D}"/>
+                <a16:creationId xmlns:a16="http://schemas.microsoft.com/office/drawing/2014/main" id="{FE5D2845-DA14-D8C3-BA6C-C53C7A14808B}"/>
               </a:ext>
             </a:extLst>
           </p:cNvPr>
@@ -1792,7 +1792,7 @@
           <p:cNvPr id="7" name="日期占位符 6">
             <a:extLst>
               <a:ext uri="{FF2B5EF4-FFF2-40B4-BE49-F238E27FC236}">
-                <a16:creationId xmlns:a16="http://schemas.microsoft.com/office/drawing/2014/main" id="{B284BA40-AB8E-2FF3-0CF1-9C67F5461CB2}"/>
+                <a16:creationId xmlns:a16="http://schemas.microsoft.com/office/drawing/2014/main" id="{71B40467-B7AC-4F51-7F3A-10FE977FDC1F}"/>
               </a:ext>
             </a:extLst>
           </p:cNvPr>
@@ -1808,7 +1808,7 @@
           <a:bodyPr/>
           <a:lstStyle/>
           <a:p>
-            <a:fld id="{CE8F8C8E-B021-4672-9C5A-78433C223C46}" type="datetimeFigureOut">
+            <a:fld id="{6C974DF5-0074-4867-B8F5-5DDF345AA1E1}" type="datetimeFigureOut">
               <a:rPr lang="zh-CN" altLang="en-US" smtClean="0"/>
               <a:t>2024/3/10</a:t>
             </a:fld>
@@ -1821,7 +1821,7 @@
           <p:cNvPr id="8" name="页脚占位符 7">
             <a:extLst>
               <a:ext uri="{FF2B5EF4-FFF2-40B4-BE49-F238E27FC236}">
-                <a16:creationId xmlns:a16="http://schemas.microsoft.com/office/drawing/2014/main" id="{EFFD48F7-250E-7CCC-6761-67DAF8467532}"/>
+                <a16:creationId xmlns:a16="http://schemas.microsoft.com/office/drawing/2014/main" id="{70FBB10A-A57B-B839-76DC-D7BB96F619FB}"/>
               </a:ext>
             </a:extLst>
           </p:cNvPr>
@@ -1846,7 +1846,7 @@
           <p:cNvPr id="9" name="灯片编号占位符 8">
             <a:extLst>
               <a:ext uri="{FF2B5EF4-FFF2-40B4-BE49-F238E27FC236}">
-                <a16:creationId xmlns:a16="http://schemas.microsoft.com/office/drawing/2014/main" id="{AB3D5370-F5CF-D307-7BFB-F3EB86806B14}"/>
+                <a16:creationId xmlns:a16="http://schemas.microsoft.com/office/drawing/2014/main" id="{CDC005B4-543D-E2F3-4B46-4F10B5083D57}"/>
               </a:ext>
             </a:extLst>
           </p:cNvPr>
@@ -1862,7 +1862,7 @@
           <a:bodyPr/>
           <a:lstStyle/>
           <a:p>
-            <a:fld id="{F454E405-834D-467F-A332-094AF29E3F3F}" type="slidenum">
+            <a:fld id="{929DEEFC-2894-4370-87B0-B3B9F53F8247}" type="slidenum">
               <a:rPr lang="zh-CN" altLang="en-US" smtClean="0"/>
               <a:t>‹#›</a:t>
             </a:fld>
@@ -1873,7 +1873,7 @@
     </p:spTree>
     <p:extLst>
       <p:ext uri="{BB962C8B-B14F-4D97-AF65-F5344CB8AC3E}">
-        <p14:creationId xmlns:p14="http://schemas.microsoft.com/office/powerpoint/2010/main" val="2299031987"/>
+        <p14:creationId xmlns:p14="http://schemas.microsoft.com/office/powerpoint/2010/main" val="2664177392"/>
       </p:ext>
     </p:extLst>
   </p:cSld>
@@ -1905,7 +1905,7 @@
           <p:cNvPr id="2" name="标题 1">
             <a:extLst>
               <a:ext uri="{FF2B5EF4-FFF2-40B4-BE49-F238E27FC236}">
-                <a16:creationId xmlns:a16="http://schemas.microsoft.com/office/drawing/2014/main" id="{2201BA66-93BF-D125-C6F5-B9D5D2285A70}"/>
+                <a16:creationId xmlns:a16="http://schemas.microsoft.com/office/drawing/2014/main" id="{DEBE6450-9517-4DE2-1998-909CD3C3C2B9}"/>
               </a:ext>
             </a:extLst>
           </p:cNvPr>
@@ -1933,7 +1933,7 @@
           <p:cNvPr id="3" name="日期占位符 2">
             <a:extLst>
               <a:ext uri="{FF2B5EF4-FFF2-40B4-BE49-F238E27FC236}">
-                <a16:creationId xmlns:a16="http://schemas.microsoft.com/office/drawing/2014/main" id="{6B0635DD-207D-61F0-78D4-BBAE5573558C}"/>
+                <a16:creationId xmlns:a16="http://schemas.microsoft.com/office/drawing/2014/main" id="{B27ED850-F7C3-7B46-75AA-584D88144779}"/>
               </a:ext>
             </a:extLst>
           </p:cNvPr>
@@ -1949,7 +1949,7 @@
           <a:bodyPr/>
           <a:lstStyle/>
           <a:p>
-            <a:fld id="{CE8F8C8E-B021-4672-9C5A-78433C223C46}" type="datetimeFigureOut">
+            <a:fld id="{6C974DF5-0074-4867-B8F5-5DDF345AA1E1}" type="datetimeFigureOut">
               <a:rPr lang="zh-CN" altLang="en-US" smtClean="0"/>
               <a:t>2024/3/10</a:t>
             </a:fld>
@@ -1962,7 +1962,7 @@
           <p:cNvPr id="4" name="页脚占位符 3">
             <a:extLst>
               <a:ext uri="{FF2B5EF4-FFF2-40B4-BE49-F238E27FC236}">
-                <a16:creationId xmlns:a16="http://schemas.microsoft.com/office/drawing/2014/main" id="{F31D397F-70E5-1CFA-50F9-BF9B496D4987}"/>
+                <a16:creationId xmlns:a16="http://schemas.microsoft.com/office/drawing/2014/main" id="{6E4BC9EC-7CB9-4845-FCA7-A3AA1E4705BE}"/>
               </a:ext>
             </a:extLst>
           </p:cNvPr>
@@ -1987,7 +1987,7 @@
           <p:cNvPr id="5" name="灯片编号占位符 4">
             <a:extLst>
               <a:ext uri="{FF2B5EF4-FFF2-40B4-BE49-F238E27FC236}">
-                <a16:creationId xmlns:a16="http://schemas.microsoft.com/office/drawing/2014/main" id="{49C3C003-F5C1-8A19-0236-C597FF23580C}"/>
+                <a16:creationId xmlns:a16="http://schemas.microsoft.com/office/drawing/2014/main" id="{C2859FC0-B27B-5575-32D7-392ED7E4D7A4}"/>
               </a:ext>
             </a:extLst>
           </p:cNvPr>
@@ -2003,7 +2003,7 @@
           <a:bodyPr/>
           <a:lstStyle/>
           <a:p>
-            <a:fld id="{F454E405-834D-467F-A332-094AF29E3F3F}" type="slidenum">
+            <a:fld id="{929DEEFC-2894-4370-87B0-B3B9F53F8247}" type="slidenum">
               <a:rPr lang="zh-CN" altLang="en-US" smtClean="0"/>
               <a:t>‹#›</a:t>
             </a:fld>
@@ -2014,7 +2014,7 @@
     </p:spTree>
     <p:extLst>
       <p:ext uri="{BB962C8B-B14F-4D97-AF65-F5344CB8AC3E}">
-        <p14:creationId xmlns:p14="http://schemas.microsoft.com/office/powerpoint/2010/main" val="1535617291"/>
+        <p14:creationId xmlns:p14="http://schemas.microsoft.com/office/powerpoint/2010/main" val="3725895796"/>
       </p:ext>
     </p:extLst>
   </p:cSld>
@@ -2046,7 +2046,7 @@
           <p:cNvPr id="2" name="日期占位符 1">
             <a:extLst>
               <a:ext uri="{FF2B5EF4-FFF2-40B4-BE49-F238E27FC236}">
-                <a16:creationId xmlns:a16="http://schemas.microsoft.com/office/drawing/2014/main" id="{7DF46012-5639-49E4-BF42-7C23258BE652}"/>
+                <a16:creationId xmlns:a16="http://schemas.microsoft.com/office/drawing/2014/main" id="{8F004D61-BF15-1184-57BA-8886A33DCB67}"/>
               </a:ext>
             </a:extLst>
           </p:cNvPr>
@@ -2062,7 +2062,7 @@
           <a:bodyPr/>
           <a:lstStyle/>
           <a:p>
-            <a:fld id="{CE8F8C8E-B021-4672-9C5A-78433C223C46}" type="datetimeFigureOut">
+            <a:fld id="{6C974DF5-0074-4867-B8F5-5DDF345AA1E1}" type="datetimeFigureOut">
               <a:rPr lang="zh-CN" altLang="en-US" smtClean="0"/>
               <a:t>2024/3/10</a:t>
             </a:fld>
@@ -2075,7 +2075,7 @@
           <p:cNvPr id="3" name="页脚占位符 2">
             <a:extLst>
               <a:ext uri="{FF2B5EF4-FFF2-40B4-BE49-F238E27FC236}">
-                <a16:creationId xmlns:a16="http://schemas.microsoft.com/office/drawing/2014/main" id="{B550520C-EE8A-959B-8C70-5007E6175BF2}"/>
+                <a16:creationId xmlns:a16="http://schemas.microsoft.com/office/drawing/2014/main" id="{E96ABDF3-1AE0-388B-0031-37CE1F4FB7B7}"/>
               </a:ext>
             </a:extLst>
           </p:cNvPr>
@@ -2100,7 +2100,7 @@
           <p:cNvPr id="4" name="灯片编号占位符 3">
             <a:extLst>
               <a:ext uri="{FF2B5EF4-FFF2-40B4-BE49-F238E27FC236}">
-                <a16:creationId xmlns:a16="http://schemas.microsoft.com/office/drawing/2014/main" id="{AFCFFA4C-38D8-60F6-1C1A-F6B21B252712}"/>
+                <a16:creationId xmlns:a16="http://schemas.microsoft.com/office/drawing/2014/main" id="{D10AD382-89F4-D7F4-8F5D-D8D927F0FAB8}"/>
               </a:ext>
             </a:extLst>
           </p:cNvPr>
@@ -2116,7 +2116,7 @@
           <a:bodyPr/>
           <a:lstStyle/>
           <a:p>
-            <a:fld id="{F454E405-834D-467F-A332-094AF29E3F3F}" type="slidenum">
+            <a:fld id="{929DEEFC-2894-4370-87B0-B3B9F53F8247}" type="slidenum">
               <a:rPr lang="zh-CN" altLang="en-US" smtClean="0"/>
               <a:t>‹#›</a:t>
             </a:fld>
@@ -2127,7 +2127,7 @@
     </p:spTree>
     <p:extLst>
       <p:ext uri="{BB962C8B-B14F-4D97-AF65-F5344CB8AC3E}">
-        <p14:creationId xmlns:p14="http://schemas.microsoft.com/office/powerpoint/2010/main" val="2086905110"/>
+        <p14:creationId xmlns:p14="http://schemas.microsoft.com/office/powerpoint/2010/main" val="154076868"/>
       </p:ext>
     </p:extLst>
   </p:cSld>
@@ -2159,7 +2159,7 @@
           <p:cNvPr id="2" name="标题 1">
             <a:extLst>
               <a:ext uri="{FF2B5EF4-FFF2-40B4-BE49-F238E27FC236}">
-                <a16:creationId xmlns:a16="http://schemas.microsoft.com/office/drawing/2014/main" id="{CA434817-9DD7-B250-6997-A2F319738E8A}"/>
+                <a16:creationId xmlns:a16="http://schemas.microsoft.com/office/drawing/2014/main" id="{6F321C46-ACE9-1EAC-96AD-89E5823AD6BC}"/>
               </a:ext>
             </a:extLst>
           </p:cNvPr>
@@ -2196,7 +2196,7 @@
           <p:cNvPr id="3" name="内容占位符 2">
             <a:extLst>
               <a:ext uri="{FF2B5EF4-FFF2-40B4-BE49-F238E27FC236}">
-                <a16:creationId xmlns:a16="http://schemas.microsoft.com/office/drawing/2014/main" id="{DF422ABD-7F06-582C-F8C7-2F2A83022C7D}"/>
+                <a16:creationId xmlns:a16="http://schemas.microsoft.com/office/drawing/2014/main" id="{5A939DA4-464E-3FC8-7602-62C07A37EDD0}"/>
               </a:ext>
             </a:extLst>
           </p:cNvPr>
@@ -2286,7 +2286,7 @@
           <p:cNvPr id="4" name="文本占位符 3">
             <a:extLst>
               <a:ext uri="{FF2B5EF4-FFF2-40B4-BE49-F238E27FC236}">
-                <a16:creationId xmlns:a16="http://schemas.microsoft.com/office/drawing/2014/main" id="{B7120D11-E7AD-E20E-7F2B-A8488414BBAA}"/>
+                <a16:creationId xmlns:a16="http://schemas.microsoft.com/office/drawing/2014/main" id="{926905E6-32DD-82CD-9111-125EA040F47B}"/>
               </a:ext>
             </a:extLst>
           </p:cNvPr>
@@ -2357,7 +2357,7 @@
           <p:cNvPr id="5" name="日期占位符 4">
             <a:extLst>
               <a:ext uri="{FF2B5EF4-FFF2-40B4-BE49-F238E27FC236}">
-                <a16:creationId xmlns:a16="http://schemas.microsoft.com/office/drawing/2014/main" id="{89F23248-96B9-1AA8-8029-712BB010A985}"/>
+                <a16:creationId xmlns:a16="http://schemas.microsoft.com/office/drawing/2014/main" id="{6B828DEE-B076-B394-11D2-837CCB767AB5}"/>
               </a:ext>
             </a:extLst>
           </p:cNvPr>
@@ -2373,7 +2373,7 @@
           <a:bodyPr/>
           <a:lstStyle/>
           <a:p>
-            <a:fld id="{CE8F8C8E-B021-4672-9C5A-78433C223C46}" type="datetimeFigureOut">
+            <a:fld id="{6C974DF5-0074-4867-B8F5-5DDF345AA1E1}" type="datetimeFigureOut">
               <a:rPr lang="zh-CN" altLang="en-US" smtClean="0"/>
               <a:t>2024/3/10</a:t>
             </a:fld>
@@ -2386,7 +2386,7 @@
           <p:cNvPr id="6" name="页脚占位符 5">
             <a:extLst>
               <a:ext uri="{FF2B5EF4-FFF2-40B4-BE49-F238E27FC236}">
-                <a16:creationId xmlns:a16="http://schemas.microsoft.com/office/drawing/2014/main" id="{AD92501E-7E10-99A0-67B7-DA8E2853E586}"/>
+                <a16:creationId xmlns:a16="http://schemas.microsoft.com/office/drawing/2014/main" id="{DD5F45B2-3DDF-061E-F282-66BDB71380E6}"/>
               </a:ext>
             </a:extLst>
           </p:cNvPr>
@@ -2411,7 +2411,7 @@
           <p:cNvPr id="7" name="灯片编号占位符 6">
             <a:extLst>
               <a:ext uri="{FF2B5EF4-FFF2-40B4-BE49-F238E27FC236}">
-                <a16:creationId xmlns:a16="http://schemas.microsoft.com/office/drawing/2014/main" id="{FA3EFC81-470C-6873-8552-CC5D140D8613}"/>
+                <a16:creationId xmlns:a16="http://schemas.microsoft.com/office/drawing/2014/main" id="{6962A2F6-352D-90FF-E217-97C8E4FAA3D7}"/>
               </a:ext>
             </a:extLst>
           </p:cNvPr>
@@ -2427,7 +2427,7 @@
           <a:bodyPr/>
           <a:lstStyle/>
           <a:p>
-            <a:fld id="{F454E405-834D-467F-A332-094AF29E3F3F}" type="slidenum">
+            <a:fld id="{929DEEFC-2894-4370-87B0-B3B9F53F8247}" type="slidenum">
               <a:rPr lang="zh-CN" altLang="en-US" smtClean="0"/>
               <a:t>‹#›</a:t>
             </a:fld>
@@ -2438,7 +2438,7 @@
     </p:spTree>
     <p:extLst>
       <p:ext uri="{BB962C8B-B14F-4D97-AF65-F5344CB8AC3E}">
-        <p14:creationId xmlns:p14="http://schemas.microsoft.com/office/powerpoint/2010/main" val="2596550331"/>
+        <p14:creationId xmlns:p14="http://schemas.microsoft.com/office/powerpoint/2010/main" val="4182452402"/>
       </p:ext>
     </p:extLst>
   </p:cSld>
@@ -2470,7 +2470,7 @@
           <p:cNvPr id="2" name="标题 1">
             <a:extLst>
               <a:ext uri="{FF2B5EF4-FFF2-40B4-BE49-F238E27FC236}">
-                <a16:creationId xmlns:a16="http://schemas.microsoft.com/office/drawing/2014/main" id="{3DF6109A-0CFF-3E0D-35FA-D47971E60357}"/>
+                <a16:creationId xmlns:a16="http://schemas.microsoft.com/office/drawing/2014/main" id="{826E5E7B-0693-711F-C44B-5634A184B4C1}"/>
               </a:ext>
             </a:extLst>
           </p:cNvPr>
@@ -2507,7 +2507,7 @@
           <p:cNvPr id="3" name="图片占位符 2">
             <a:extLst>
               <a:ext uri="{FF2B5EF4-FFF2-40B4-BE49-F238E27FC236}">
-                <a16:creationId xmlns:a16="http://schemas.microsoft.com/office/drawing/2014/main" id="{A9778BC2-4FAA-18E0-1ACC-C740C5395643}"/>
+                <a16:creationId xmlns:a16="http://schemas.microsoft.com/office/drawing/2014/main" id="{A7A33567-51E7-1B74-B82B-6F5126F7573F}"/>
               </a:ext>
             </a:extLst>
           </p:cNvPr>
@@ -2574,7 +2574,7 @@
           <p:cNvPr id="4" name="文本占位符 3">
             <a:extLst>
               <a:ext uri="{FF2B5EF4-FFF2-40B4-BE49-F238E27FC236}">
-                <a16:creationId xmlns:a16="http://schemas.microsoft.com/office/drawing/2014/main" id="{8906DA4F-2854-8E7E-D71D-CEE765B7A7ED}"/>
+                <a16:creationId xmlns:a16="http://schemas.microsoft.com/office/drawing/2014/main" id="{087CC31F-62AB-46F1-0F76-66952F1FB678}"/>
               </a:ext>
             </a:extLst>
           </p:cNvPr>
@@ -2645,7 +2645,7 @@
           <p:cNvPr id="5" name="日期占位符 4">
             <a:extLst>
               <a:ext uri="{FF2B5EF4-FFF2-40B4-BE49-F238E27FC236}">
-                <a16:creationId xmlns:a16="http://schemas.microsoft.com/office/drawing/2014/main" id="{335A055E-152A-565C-4D7E-15179770179E}"/>
+                <a16:creationId xmlns:a16="http://schemas.microsoft.com/office/drawing/2014/main" id="{A932590F-F1C1-DE3A-5409-A35893C6219D}"/>
               </a:ext>
             </a:extLst>
           </p:cNvPr>
@@ -2661,7 +2661,7 @@
           <a:bodyPr/>
           <a:lstStyle/>
           <a:p>
-            <a:fld id="{CE8F8C8E-B021-4672-9C5A-78433C223C46}" type="datetimeFigureOut">
+            <a:fld id="{6C974DF5-0074-4867-B8F5-5DDF345AA1E1}" type="datetimeFigureOut">
               <a:rPr lang="zh-CN" altLang="en-US" smtClean="0"/>
               <a:t>2024/3/10</a:t>
             </a:fld>
@@ -2674,7 +2674,7 @@
           <p:cNvPr id="6" name="页脚占位符 5">
             <a:extLst>
               <a:ext uri="{FF2B5EF4-FFF2-40B4-BE49-F238E27FC236}">
-                <a16:creationId xmlns:a16="http://schemas.microsoft.com/office/drawing/2014/main" id="{4D961C94-1EA0-DC91-5224-E1A1434DBCA5}"/>
+                <a16:creationId xmlns:a16="http://schemas.microsoft.com/office/drawing/2014/main" id="{4AF579A4-D6B6-737F-07AF-551CD0A88754}"/>
               </a:ext>
             </a:extLst>
           </p:cNvPr>
@@ -2699,7 +2699,7 @@
           <p:cNvPr id="7" name="灯片编号占位符 6">
             <a:extLst>
               <a:ext uri="{FF2B5EF4-FFF2-40B4-BE49-F238E27FC236}">
-                <a16:creationId xmlns:a16="http://schemas.microsoft.com/office/drawing/2014/main" id="{BAF69497-6B66-24A6-F59D-5CD56C0B4265}"/>
+                <a16:creationId xmlns:a16="http://schemas.microsoft.com/office/drawing/2014/main" id="{4F42CE76-EF76-955B-252C-0DA7FE39AC27}"/>
               </a:ext>
             </a:extLst>
           </p:cNvPr>
@@ -2715,7 +2715,7 @@
           <a:bodyPr/>
           <a:lstStyle/>
           <a:p>
-            <a:fld id="{F454E405-834D-467F-A332-094AF29E3F3F}" type="slidenum">
+            <a:fld id="{929DEEFC-2894-4370-87B0-B3B9F53F8247}" type="slidenum">
               <a:rPr lang="zh-CN" altLang="en-US" smtClean="0"/>
               <a:t>‹#›</a:t>
             </a:fld>
@@ -2726,7 +2726,7 @@
     </p:spTree>
     <p:extLst>
       <p:ext uri="{BB962C8B-B14F-4D97-AF65-F5344CB8AC3E}">
-        <p14:creationId xmlns:p14="http://schemas.microsoft.com/office/powerpoint/2010/main" val="3947597762"/>
+        <p14:creationId xmlns:p14="http://schemas.microsoft.com/office/powerpoint/2010/main" val="4227591230"/>
       </p:ext>
     </p:extLst>
   </p:cSld>
@@ -2763,7 +2763,7 @@
           <p:cNvPr id="2" name="标题占位符 1">
             <a:extLst>
               <a:ext uri="{FF2B5EF4-FFF2-40B4-BE49-F238E27FC236}">
-                <a16:creationId xmlns:a16="http://schemas.microsoft.com/office/drawing/2014/main" id="{24008E09-824E-A13D-3279-09CBC2ED3724}"/>
+                <a16:creationId xmlns:a16="http://schemas.microsoft.com/office/drawing/2014/main" id="{E06BFA49-2BF5-D417-21FA-B1E92B6415D2}"/>
               </a:ext>
             </a:extLst>
           </p:cNvPr>
@@ -2801,7 +2801,7 @@
           <p:cNvPr id="3" name="文本占位符 2">
             <a:extLst>
               <a:ext uri="{FF2B5EF4-FFF2-40B4-BE49-F238E27FC236}">
-                <a16:creationId xmlns:a16="http://schemas.microsoft.com/office/drawing/2014/main" id="{3D39F2D2-5DB2-96A2-E665-7A1C731848E6}"/>
+                <a16:creationId xmlns:a16="http://schemas.microsoft.com/office/drawing/2014/main" id="{CBB195B9-7CDE-302A-AE9B-712E29020DBF}"/>
               </a:ext>
             </a:extLst>
           </p:cNvPr>
@@ -2868,7 +2868,7 @@
           <p:cNvPr id="4" name="日期占位符 3">
             <a:extLst>
               <a:ext uri="{FF2B5EF4-FFF2-40B4-BE49-F238E27FC236}">
-                <a16:creationId xmlns:a16="http://schemas.microsoft.com/office/drawing/2014/main" id="{78B89D45-70CC-8EAF-1A4C-953B8CEBF252}"/>
+                <a16:creationId xmlns:a16="http://schemas.microsoft.com/office/drawing/2014/main" id="{6FB1DE05-91CC-C5F8-0B3F-BCE8FF56F183}"/>
               </a:ext>
             </a:extLst>
           </p:cNvPr>
@@ -2902,7 +2902,7 @@
             </a:lvl1pPr>
           </a:lstStyle>
           <a:p>
-            <a:fld id="{CE8F8C8E-B021-4672-9C5A-78433C223C46}" type="datetimeFigureOut">
+            <a:fld id="{6C974DF5-0074-4867-B8F5-5DDF345AA1E1}" type="datetimeFigureOut">
               <a:rPr lang="zh-CN" altLang="en-US" smtClean="0"/>
               <a:t>2024/3/10</a:t>
             </a:fld>
@@ -2915,7 +2915,7 @@
           <p:cNvPr id="5" name="页脚占位符 4">
             <a:extLst>
               <a:ext uri="{FF2B5EF4-FFF2-40B4-BE49-F238E27FC236}">
-                <a16:creationId xmlns:a16="http://schemas.microsoft.com/office/drawing/2014/main" id="{F74D7036-BAE1-E831-5049-E18D9C0A4BEC}"/>
+                <a16:creationId xmlns:a16="http://schemas.microsoft.com/office/drawing/2014/main" id="{BB2F6C5D-D0A6-2899-B1DE-DD96C84AA505}"/>
               </a:ext>
             </a:extLst>
           </p:cNvPr>
@@ -2958,7 +2958,7 @@
           <p:cNvPr id="6" name="灯片编号占位符 5">
             <a:extLst>
               <a:ext uri="{FF2B5EF4-FFF2-40B4-BE49-F238E27FC236}">
-                <a16:creationId xmlns:a16="http://schemas.microsoft.com/office/drawing/2014/main" id="{26BFF51B-E6A1-E674-9472-056C1BCD3F3C}"/>
+                <a16:creationId xmlns:a16="http://schemas.microsoft.com/office/drawing/2014/main" id="{7A2D9F48-80FC-0EAB-BB40-7F276D36E8F0}"/>
               </a:ext>
             </a:extLst>
           </p:cNvPr>
@@ -2992,7 +2992,7 @@
             </a:lvl1pPr>
           </a:lstStyle>
           <a:p>
-            <a:fld id="{F454E405-834D-467F-A332-094AF29E3F3F}" type="slidenum">
+            <a:fld id="{929DEEFC-2894-4370-87B0-B3B9F53F8247}" type="slidenum">
               <a:rPr lang="zh-CN" altLang="en-US" smtClean="0"/>
               <a:t>‹#›</a:t>
             </a:fld>
@@ -3003,7 +3003,7 @@
     </p:spTree>
     <p:extLst>
       <p:ext uri="{BB962C8B-B14F-4D97-AF65-F5344CB8AC3E}">
-        <p14:creationId xmlns:p14="http://schemas.microsoft.com/office/powerpoint/2010/main" val="814827669"/>
+        <p14:creationId xmlns:p14="http://schemas.microsoft.com/office/powerpoint/2010/main" val="3553477501"/>
       </p:ext>
     </p:extLst>
   </p:cSld>
